--- a/Car Rent Incorporation.pptx
+++ b/Car Rent Incorporation.pptx
@@ -737,7 +737,7 @@
           <a:p>
             <a:fld id="{6566C979-3FB4-4DB2-A369-ACD86D46485B}" type="datetimeFigureOut">
               <a:rPr lang="bg-BG" smtClean="0"/>
-              <a:t>28.4.2020 г.</a:t>
+              <a:t>30.4.2020 г.</a:t>
             </a:fld>
             <a:endParaRPr lang="bg-BG"/>
           </a:p>
@@ -933,7 +933,7 @@
           <a:p>
             <a:fld id="{6566C979-3FB4-4DB2-A369-ACD86D46485B}" type="datetimeFigureOut">
               <a:rPr lang="bg-BG" smtClean="0"/>
-              <a:t>28.4.2020 г.</a:t>
+              <a:t>30.4.2020 г.</a:t>
             </a:fld>
             <a:endParaRPr lang="bg-BG"/>
           </a:p>
@@ -1118,7 +1118,7 @@
           <a:p>
             <a:fld id="{6566C979-3FB4-4DB2-A369-ACD86D46485B}" type="datetimeFigureOut">
               <a:rPr lang="bg-BG" smtClean="0"/>
-              <a:t>28.4.2020 г.</a:t>
+              <a:t>30.4.2020 г.</a:t>
             </a:fld>
             <a:endParaRPr lang="bg-BG"/>
           </a:p>
@@ -1268,7 +1268,7 @@
           <a:p>
             <a:fld id="{6566C979-3FB4-4DB2-A369-ACD86D46485B}" type="datetimeFigureOut">
               <a:rPr lang="bg-BG" smtClean="0"/>
-              <a:t>28.4.2020 г.</a:t>
+              <a:t>30.4.2020 г.</a:t>
             </a:fld>
             <a:endParaRPr lang="bg-BG"/>
           </a:p>
@@ -1523,7 +1523,7 @@
           <a:p>
             <a:fld id="{6566C979-3FB4-4DB2-A369-ACD86D46485B}" type="datetimeFigureOut">
               <a:rPr lang="bg-BG" smtClean="0"/>
-              <a:t>28.4.2020 г.</a:t>
+              <a:t>30.4.2020 г.</a:t>
             </a:fld>
             <a:endParaRPr lang="bg-BG"/>
           </a:p>
@@ -1932,7 +1932,7 @@
           <a:p>
             <a:fld id="{6566C979-3FB4-4DB2-A369-ACD86D46485B}" type="datetimeFigureOut">
               <a:rPr lang="bg-BG" smtClean="0"/>
-              <a:t>28.4.2020 г.</a:t>
+              <a:t>30.4.2020 г.</a:t>
             </a:fld>
             <a:endParaRPr lang="bg-BG"/>
           </a:p>
@@ -2378,7 +2378,7 @@
           <a:p>
             <a:fld id="{6566C979-3FB4-4DB2-A369-ACD86D46485B}" type="datetimeFigureOut">
               <a:rPr lang="bg-BG" smtClean="0"/>
-              <a:t>28.4.2020 г.</a:t>
+              <a:t>30.4.2020 г.</a:t>
             </a:fld>
             <a:endParaRPr lang="bg-BG"/>
           </a:p>
@@ -2479,7 +2479,7 @@
           <a:p>
             <a:fld id="{6566C979-3FB4-4DB2-A369-ACD86D46485B}" type="datetimeFigureOut">
               <a:rPr lang="bg-BG" smtClean="0"/>
-              <a:t>28.4.2020 г.</a:t>
+              <a:t>30.4.2020 г.</a:t>
             </a:fld>
             <a:endParaRPr lang="bg-BG"/>
           </a:p>
@@ -2600,7 +2600,7 @@
           <a:p>
             <a:fld id="{6566C979-3FB4-4DB2-A369-ACD86D46485B}" type="datetimeFigureOut">
               <a:rPr lang="bg-BG" smtClean="0"/>
-              <a:t>28.4.2020 г.</a:t>
+              <a:t>30.4.2020 г.</a:t>
             </a:fld>
             <a:endParaRPr lang="bg-BG"/>
           </a:p>
@@ -2874,7 +2874,7 @@
           <a:p>
             <a:fld id="{6566C979-3FB4-4DB2-A369-ACD86D46485B}" type="datetimeFigureOut">
               <a:rPr lang="bg-BG" smtClean="0"/>
-              <a:t>28.4.2020 г.</a:t>
+              <a:t>30.4.2020 г.</a:t>
             </a:fld>
             <a:endParaRPr lang="bg-BG"/>
           </a:p>
@@ -3079,7 +3079,7 @@
           <a:p>
             <a:fld id="{6566C979-3FB4-4DB2-A369-ACD86D46485B}" type="datetimeFigureOut">
               <a:rPr lang="bg-BG" smtClean="0"/>
-              <a:t>28.4.2020 г.</a:t>
+              <a:t>30.4.2020 г.</a:t>
             </a:fld>
             <a:endParaRPr lang="bg-BG"/>
           </a:p>
@@ -4188,7 +4188,7 @@
           <a:p>
             <a:fld id="{6566C979-3FB4-4DB2-A369-ACD86D46485B}" type="datetimeFigureOut">
               <a:rPr lang="bg-BG" smtClean="0"/>
-              <a:t>28.4.2020 г.</a:t>
+              <a:t>30.4.2020 г.</a:t>
             </a:fld>
             <a:endParaRPr lang="bg-BG"/>
           </a:p>
@@ -4657,13 +4657,13 @@
   <p:clrMapOvr>
     <a:masterClrMapping/>
   </p:clrMapOvr>
-  <mc:AlternateContent xmlns:mc="http://schemas.openxmlformats.org/markup-compatibility/2006">
-    <mc:Choice xmlns:p14="http://schemas.microsoft.com/office/powerpoint/2010/main" Requires="p14">
+  <mc:AlternateContent xmlns:mc="http://schemas.openxmlformats.org/markup-compatibility/2006" xmlns:p14="http://schemas.microsoft.com/office/powerpoint/2010/main">
+    <mc:Choice Requires="p14">
       <p:transition spd="slow">
         <p14:flash/>
       </p:transition>
     </mc:Choice>
-    <mc:Fallback>
+    <mc:Fallback xmlns="">
       <p:transition spd="slow">
         <p:fade/>
       </p:transition>
@@ -4774,13 +4774,13 @@
   <p:clrMapOvr>
     <a:masterClrMapping/>
   </p:clrMapOvr>
-  <mc:AlternateContent xmlns:mc="http://schemas.openxmlformats.org/markup-compatibility/2006">
-    <mc:Choice xmlns:p14="http://schemas.microsoft.com/office/powerpoint/2010/main" Requires="p14">
+  <mc:AlternateContent xmlns:mc="http://schemas.openxmlformats.org/markup-compatibility/2006" xmlns:p14="http://schemas.microsoft.com/office/powerpoint/2010/main">
+    <mc:Choice Requires="p14">
       <p:transition spd="slow" p14:dur="1500">
         <p:split orient="vert"/>
       </p:transition>
     </mc:Choice>
-    <mc:Fallback>
+    <mc:Fallback xmlns="">
       <p:transition spd="slow">
         <p:split orient="vert"/>
       </p:transition>
@@ -5837,7 +5837,11 @@
             </a:r>
             <a:r>
               <a:rPr lang="en-US" dirty="0" smtClean="0"/>
-              <a:t> , 9”v”, </a:t>
+              <a:t> , 9”v</a:t>
+            </a:r>
+            <a:r>
+              <a:rPr lang="en-US" dirty="0" smtClean="0"/>
+              <a:t>” </a:t>
             </a:r>
             <a:r>
               <a:rPr lang="en-US" dirty="0" err="1" smtClean="0"/>
@@ -5868,11 +5872,15 @@
             </a:r>
             <a:r>
               <a:rPr lang="en-US" dirty="0" smtClean="0"/>
-              <a:t>, 9”v”,           </a:t>
-            </a:r>
-            <a:r>
-              <a:rPr lang="en-US" dirty="0" err="1" smtClean="0"/>
-              <a:t>Kaloqn</a:t>
+              <a:t>, </a:t>
+            </a:r>
+            <a:r>
+              <a:rPr lang="en-US" dirty="0" smtClean="0"/>
+              <a:t>9”g”           </a:t>
+            </a:r>
+            <a:r>
+              <a:rPr lang="en-US" smtClean="0"/>
+              <a:t>Kaloyan</a:t>
             </a:r>
             <a:r>
               <a:rPr lang="en-US" dirty="0" smtClean="0"/>
@@ -5894,8 +5902,13 @@
             </a:r>
             <a:r>
               <a:rPr lang="en-US" dirty="0" smtClean="0"/>
-              <a:t>, 9”v”</a:t>
-            </a:r>
+              <a:t>, </a:t>
+            </a:r>
+            <a:r>
+              <a:rPr lang="en-US" dirty="0" smtClean="0"/>
+              <a:t>9”b”</a:t>
+            </a:r>
+            <a:endParaRPr lang="en-US" dirty="0" smtClean="0"/>
           </a:p>
         </p:txBody>
       </p:sp>
@@ -5943,13 +5956,13 @@
   <p:clrMapOvr>
     <a:masterClrMapping/>
   </p:clrMapOvr>
-  <mc:AlternateContent xmlns:mc="http://schemas.openxmlformats.org/markup-compatibility/2006">
-    <mc:Choice xmlns:p14="http://schemas.microsoft.com/office/powerpoint/2010/main" Requires="p14">
+  <mc:AlternateContent xmlns:mc="http://schemas.openxmlformats.org/markup-compatibility/2006" xmlns:p14="http://schemas.microsoft.com/office/powerpoint/2010/main">
+    <mc:Choice Requires="p14">
       <p:transition spd="med" p14:dur="700">
         <p:fade/>
       </p:transition>
     </mc:Choice>
-    <mc:Fallback>
+    <mc:Fallback xmlns="">
       <p:transition spd="med">
         <p:fade/>
       </p:transition>
@@ -6052,13 +6065,13 @@
   <p:clrMapOvr>
     <a:masterClrMapping/>
   </p:clrMapOvr>
-  <mc:AlternateContent xmlns:mc="http://schemas.openxmlformats.org/markup-compatibility/2006">
-    <mc:Choice xmlns:p14="http://schemas.microsoft.com/office/powerpoint/2010/main" Requires="p14">
+  <mc:AlternateContent xmlns:mc="http://schemas.openxmlformats.org/markup-compatibility/2006" xmlns:p14="http://schemas.microsoft.com/office/powerpoint/2010/main">
+    <mc:Choice Requires="p14">
       <p:transition spd="slow" p14:dur="3400">
         <p14:reveal/>
       </p:transition>
     </mc:Choice>
-    <mc:Fallback>
+    <mc:Fallback xmlns="">
       <p:transition spd="slow">
         <p:fade/>
       </p:transition>

--- a/Car Rent Incorporation.pptx
+++ b/Car Rent Incorporation.pptx
@@ -4618,7 +4618,15 @@
                   <a:srgbClr val="00B0F0"/>
                 </a:solidFill>
               </a:rPr>
-              <a:t>Car Rent Incorporation</a:t>
+              <a:t>Car Rent </a:t>
+            </a:r>
+            <a:r>
+              <a:rPr lang="en-US" sz="6000" b="1" dirty="0" smtClean="0">
+                <a:solidFill>
+                  <a:srgbClr val="00B0F0"/>
+                </a:solidFill>
+              </a:rPr>
+              <a:t>Program</a:t>
             </a:r>
             <a:endParaRPr lang="bg-BG" sz="6000" b="1" dirty="0">
               <a:solidFill>
@@ -4638,12 +4646,75 @@
             <p:ph type="subTitle" idx="1"/>
           </p:nvPr>
         </p:nvSpPr>
-        <p:spPr/>
-        <p:txBody>
-          <a:bodyPr/>
+        <p:spPr>
+          <a:xfrm>
+            <a:off x="1349938" y="6381328"/>
+            <a:ext cx="7772400" cy="1199704"/>
+          </a:xfrm>
+        </p:spPr>
+        <p:txBody>
+          <a:bodyPr>
+            <a:normAutofit/>
+          </a:bodyPr>
           <a:lstStyle/>
           <a:p>
-            <a:endParaRPr lang="bg-BG"/>
+            <a:r>
+              <a:rPr lang="en-US" sz="1100" dirty="0" smtClean="0"/>
+              <a:t>Presentation by Viktor </a:t>
+            </a:r>
+            <a:r>
+              <a:rPr lang="en-US" sz="1100" dirty="0" err="1" smtClean="0"/>
+              <a:t>Kavaldzhiev</a:t>
+            </a:r>
+            <a:r>
+              <a:rPr lang="en-US" sz="1100" dirty="0" smtClean="0"/>
+              <a:t>, </a:t>
+            </a:r>
+            <a:r>
+              <a:rPr lang="en-US" sz="1100" dirty="0" err="1" smtClean="0"/>
+              <a:t>Bozhidar</a:t>
+            </a:r>
+            <a:r>
+              <a:rPr lang="en-US" sz="1100" dirty="0" smtClean="0"/>
+              <a:t> </a:t>
+            </a:r>
+            <a:r>
+              <a:rPr lang="en-US" sz="1100" dirty="0" err="1" smtClean="0"/>
+              <a:t>Dimitor</a:t>
+            </a:r>
+            <a:r>
+              <a:rPr lang="en-US" sz="1100" dirty="0" smtClean="0"/>
+              <a:t>, </a:t>
+            </a:r>
+            <a:r>
+              <a:rPr lang="en-US" sz="1100" dirty="0" err="1" smtClean="0"/>
+              <a:t>Kaloyan</a:t>
+            </a:r>
+            <a:r>
+              <a:rPr lang="en-US" sz="1100" dirty="0" smtClean="0"/>
+              <a:t> </a:t>
+            </a:r>
+            <a:r>
+              <a:rPr lang="en-US" sz="1100" dirty="0" err="1" smtClean="0"/>
+              <a:t>Dimov</a:t>
+            </a:r>
+            <a:r>
+              <a:rPr lang="en-US" sz="1100" dirty="0" smtClean="0"/>
+              <a:t>, </a:t>
+            </a:r>
+            <a:r>
+              <a:rPr lang="en-US" sz="1100" dirty="0" err="1" smtClean="0"/>
+              <a:t>Stoicho</a:t>
+            </a:r>
+            <a:r>
+              <a:rPr lang="en-US" sz="1100" dirty="0" smtClean="0"/>
+              <a:t> </a:t>
+            </a:r>
+            <a:r>
+              <a:rPr lang="en-US" sz="1100" dirty="0" err="1" smtClean="0"/>
+              <a:t>Dimitrov</a:t>
+            </a:r>
+            <a:endParaRPr lang="bg-BG" sz="1100" dirty="0"/>
           </a:p>
         </p:txBody>
       </p:sp>
@@ -4717,7 +4788,7 @@
             </a:r>
             <a:r>
               <a:rPr lang="en-US" dirty="0" smtClean="0"/>
-              <a:t>company/program </a:t>
+              <a:t>program </a:t>
             </a:r>
             <a:r>
               <a:rPr lang="en-US" dirty="0"/>
@@ -5268,18 +5339,18 @@
                         </a:spcAft>
                       </a:pPr>
                       <a:r>
-                        <a:rPr lang="en-US" sz="1000">
+                        <a:rPr lang="en-US" sz="1000" dirty="0">
                           <a:effectLst/>
                         </a:rPr>
                         <a:t>C</a:t>
                       </a:r>
                       <a:r>
-                        <a:rPr lang="bg-BG" sz="1000">
+                        <a:rPr lang="bg-BG" sz="1000" dirty="0">
                           <a:effectLst/>
                         </a:rPr>
                         <a:t>AR* cars, int/char/string/float value , int i, string stat</a:t>
                       </a:r>
-                      <a:endParaRPr lang="bg-BG" sz="900">
+                      <a:endParaRPr lang="bg-BG" sz="900" dirty="0">
                         <a:effectLst/>
                         <a:latin typeface="Calibri"/>
                         <a:ea typeface="Calibri"/>
@@ -5303,12 +5374,24 @@
                         </a:spcAft>
                       </a:pPr>
                       <a:r>
-                        <a:rPr lang="en-US" sz="1000">
+                        <a:rPr lang="en-US" sz="1000" dirty="0">
                           <a:effectLst/>
                         </a:rPr>
-                        <a:t>“Bool” function, returns true or false, depending on the success of the function</a:t>
+                        <a:t>“</a:t>
                       </a:r>
-                      <a:endParaRPr lang="bg-BG" sz="900">
+                      <a:r>
+                        <a:rPr lang="en-US" sz="1000" dirty="0" err="1">
+                          <a:effectLst/>
+                        </a:rPr>
+                        <a:t>Bool</a:t>
+                      </a:r>
+                      <a:r>
+                        <a:rPr lang="en-US" sz="1000" dirty="0">
+                          <a:effectLst/>
+                        </a:rPr>
+                        <a:t>” function, returns true or false, depending on the success of the function</a:t>
+                      </a:r>
+                      <a:endParaRPr lang="bg-BG" sz="900" dirty="0">
                         <a:effectLst/>
                         <a:latin typeface="Calibri"/>
                         <a:ea typeface="Calibri"/>
@@ -5837,11 +5920,7 @@
             </a:r>
             <a:r>
               <a:rPr lang="en-US" dirty="0" smtClean="0"/>
-              <a:t> , 9”v</a:t>
-            </a:r>
-            <a:r>
-              <a:rPr lang="en-US" dirty="0" smtClean="0"/>
-              <a:t>” </a:t>
+              <a:t> , 9”v” </a:t>
             </a:r>
             <a:r>
               <a:rPr lang="en-US" dirty="0" err="1" smtClean="0"/>
@@ -5872,11 +5951,7 @@
             </a:r>
             <a:r>
               <a:rPr lang="en-US" dirty="0" smtClean="0"/>
-              <a:t>, </a:t>
-            </a:r>
-            <a:r>
-              <a:rPr lang="en-US" dirty="0" smtClean="0"/>
-              <a:t>9”g”           </a:t>
+              <a:t>, 9”g”           </a:t>
             </a:r>
             <a:r>
               <a:rPr lang="en-US" smtClean="0"/>
@@ -5902,13 +5977,8 @@
             </a:r>
             <a:r>
               <a:rPr lang="en-US" dirty="0" smtClean="0"/>
-              <a:t>, </a:t>
-            </a:r>
-            <a:r>
-              <a:rPr lang="en-US" dirty="0" smtClean="0"/>
-              <a:t>9”b”</a:t>
-            </a:r>
-            <a:endParaRPr lang="en-US" dirty="0" smtClean="0"/>
+              <a:t>, 9”b”</a:t>
+            </a:r>
           </a:p>
         </p:txBody>
       </p:sp>

--- a/Car Rent Incorporation.pptx
+++ b/Car Rent Incorporation.pptx
@@ -10,7 +10,8 @@
     <p:sldId id="258" r:id="rId4"/>
     <p:sldId id="259" r:id="rId5"/>
     <p:sldId id="260" r:id="rId6"/>
-    <p:sldId id="261" r:id="rId7"/>
+    <p:sldId id="262" r:id="rId7"/>
+    <p:sldId id="261" r:id="rId8"/>
   </p:sldIdLst>
   <p:sldSz cx="9144000" cy="6858000" type="screen4x3"/>
   <p:notesSz cx="6858000" cy="9144000"/>
@@ -737,7 +738,7 @@
           <a:p>
             <a:fld id="{6566C979-3FB4-4DB2-A369-ACD86D46485B}" type="datetimeFigureOut">
               <a:rPr lang="bg-BG" smtClean="0"/>
-              <a:t>30.4.2020 г.</a:t>
+              <a:t>1.5.2020 г.</a:t>
             </a:fld>
             <a:endParaRPr lang="bg-BG"/>
           </a:p>
@@ -933,7 +934,7 @@
           <a:p>
             <a:fld id="{6566C979-3FB4-4DB2-A369-ACD86D46485B}" type="datetimeFigureOut">
               <a:rPr lang="bg-BG" smtClean="0"/>
-              <a:t>30.4.2020 г.</a:t>
+              <a:t>1.5.2020 г.</a:t>
             </a:fld>
             <a:endParaRPr lang="bg-BG"/>
           </a:p>
@@ -1118,7 +1119,7 @@
           <a:p>
             <a:fld id="{6566C979-3FB4-4DB2-A369-ACD86D46485B}" type="datetimeFigureOut">
               <a:rPr lang="bg-BG" smtClean="0"/>
-              <a:t>30.4.2020 г.</a:t>
+              <a:t>1.5.2020 г.</a:t>
             </a:fld>
             <a:endParaRPr lang="bg-BG"/>
           </a:p>
@@ -1268,7 +1269,7 @@
           <a:p>
             <a:fld id="{6566C979-3FB4-4DB2-A369-ACD86D46485B}" type="datetimeFigureOut">
               <a:rPr lang="bg-BG" smtClean="0"/>
-              <a:t>30.4.2020 г.</a:t>
+              <a:t>1.5.2020 г.</a:t>
             </a:fld>
             <a:endParaRPr lang="bg-BG"/>
           </a:p>
@@ -1523,7 +1524,7 @@
           <a:p>
             <a:fld id="{6566C979-3FB4-4DB2-A369-ACD86D46485B}" type="datetimeFigureOut">
               <a:rPr lang="bg-BG" smtClean="0"/>
-              <a:t>30.4.2020 г.</a:t>
+              <a:t>1.5.2020 г.</a:t>
             </a:fld>
             <a:endParaRPr lang="bg-BG"/>
           </a:p>
@@ -1932,7 +1933,7 @@
           <a:p>
             <a:fld id="{6566C979-3FB4-4DB2-A369-ACD86D46485B}" type="datetimeFigureOut">
               <a:rPr lang="bg-BG" smtClean="0"/>
-              <a:t>30.4.2020 г.</a:t>
+              <a:t>1.5.2020 г.</a:t>
             </a:fld>
             <a:endParaRPr lang="bg-BG"/>
           </a:p>
@@ -2378,7 +2379,7 @@
           <a:p>
             <a:fld id="{6566C979-3FB4-4DB2-A369-ACD86D46485B}" type="datetimeFigureOut">
               <a:rPr lang="bg-BG" smtClean="0"/>
-              <a:t>30.4.2020 г.</a:t>
+              <a:t>1.5.2020 г.</a:t>
             </a:fld>
             <a:endParaRPr lang="bg-BG"/>
           </a:p>
@@ -2479,7 +2480,7 @@
           <a:p>
             <a:fld id="{6566C979-3FB4-4DB2-A369-ACD86D46485B}" type="datetimeFigureOut">
               <a:rPr lang="bg-BG" smtClean="0"/>
-              <a:t>30.4.2020 г.</a:t>
+              <a:t>1.5.2020 г.</a:t>
             </a:fld>
             <a:endParaRPr lang="bg-BG"/>
           </a:p>
@@ -2600,7 +2601,7 @@
           <a:p>
             <a:fld id="{6566C979-3FB4-4DB2-A369-ACD86D46485B}" type="datetimeFigureOut">
               <a:rPr lang="bg-BG" smtClean="0"/>
-              <a:t>30.4.2020 г.</a:t>
+              <a:t>1.5.2020 г.</a:t>
             </a:fld>
             <a:endParaRPr lang="bg-BG"/>
           </a:p>
@@ -2874,7 +2875,7 @@
           <a:p>
             <a:fld id="{6566C979-3FB4-4DB2-A369-ACD86D46485B}" type="datetimeFigureOut">
               <a:rPr lang="bg-BG" smtClean="0"/>
-              <a:t>30.4.2020 г.</a:t>
+              <a:t>1.5.2020 г.</a:t>
             </a:fld>
             <a:endParaRPr lang="bg-BG"/>
           </a:p>
@@ -3079,7 +3080,7 @@
           <a:p>
             <a:fld id="{6566C979-3FB4-4DB2-A369-ACD86D46485B}" type="datetimeFigureOut">
               <a:rPr lang="bg-BG" smtClean="0"/>
-              <a:t>30.4.2020 г.</a:t>
+              <a:t>1.5.2020 г.</a:t>
             </a:fld>
             <a:endParaRPr lang="bg-BG"/>
           </a:p>
@@ -4188,7 +4189,7 @@
           <a:p>
             <a:fld id="{6566C979-3FB4-4DB2-A369-ACD86D46485B}" type="datetimeFigureOut">
               <a:rPr lang="bg-BG" smtClean="0"/>
-              <a:t>30.4.2020 г.</a:t>
+              <a:t>1.5.2020 г.</a:t>
             </a:fld>
             <a:endParaRPr lang="bg-BG"/>
           </a:p>
@@ -4618,15 +4619,7 @@
                   <a:srgbClr val="00B0F0"/>
                 </a:solidFill>
               </a:rPr>
-              <a:t>Car Rent </a:t>
-            </a:r>
-            <a:r>
-              <a:rPr lang="en-US" sz="6000" b="1" dirty="0" smtClean="0">
-                <a:solidFill>
-                  <a:srgbClr val="00B0F0"/>
-                </a:solidFill>
-              </a:rPr>
-              <a:t>Program</a:t>
+              <a:t>Car Rent Program</a:t>
             </a:r>
             <a:endParaRPr lang="bg-BG" sz="6000" b="1" dirty="0">
               <a:solidFill>
@@ -6080,6 +6073,277 @@
           <a:bodyPr/>
           <a:lstStyle/>
           <a:p>
+            <a:r>
+              <a:rPr lang="en-US" dirty="0" smtClean="0"/>
+              <a:t>We used :</a:t>
+            </a:r>
+            <a:endParaRPr lang="bg-BG" dirty="0"/>
+          </a:p>
+        </p:txBody>
+      </p:sp>
+      <p:sp>
+        <p:nvSpPr>
+          <p:cNvPr id="3" name="Title 2"/>
+          <p:cNvSpPr>
+            <a:spLocks noGrp="1"/>
+          </p:cNvSpPr>
+          <p:nvPr>
+            <p:ph type="title"/>
+          </p:nvPr>
+        </p:nvSpPr>
+        <p:spPr/>
+        <p:txBody>
+          <a:bodyPr/>
+          <a:lstStyle/>
+          <a:p>
+            <a:pPr algn="ctr"/>
+            <a:r>
+              <a:rPr lang="en-US" dirty="0" smtClean="0">
+                <a:solidFill>
+                  <a:srgbClr val="00B0F0"/>
+                </a:solidFill>
+                <a:effectLst/>
+              </a:rPr>
+              <a:t>Used programs</a:t>
+            </a:r>
+            <a:endParaRPr lang="bg-BG" dirty="0">
+              <a:solidFill>
+                <a:srgbClr val="00B0F0"/>
+              </a:solidFill>
+              <a:effectLst/>
+            </a:endParaRPr>
+          </a:p>
+        </p:txBody>
+      </p:sp>
+      <p:pic>
+        <p:nvPicPr>
+          <p:cNvPr id="7" name="Picture 6"/>
+          <p:cNvPicPr>
+            <a:picLocks noChangeAspect="1"/>
+          </p:cNvPicPr>
+          <p:nvPr/>
+        </p:nvPicPr>
+        <p:blipFill>
+          <a:blip r:embed="rId2">
+            <a:extLst>
+              <a:ext uri="{28A0092B-C50C-407E-A947-70E740481C1C}">
+                <a14:useLocalDpi xmlns:a14="http://schemas.microsoft.com/office/drawing/2010/main" val="0"/>
+              </a:ext>
+            </a:extLst>
+          </a:blip>
+          <a:stretch>
+            <a:fillRect/>
+          </a:stretch>
+        </p:blipFill>
+        <p:spPr>
+          <a:xfrm>
+            <a:off x="251520" y="2636912"/>
+            <a:ext cx="3028950" cy="1514475"/>
+          </a:xfrm>
+          <a:prstGeom prst="rect">
+            <a:avLst/>
+          </a:prstGeom>
+        </p:spPr>
+      </p:pic>
+      <p:pic>
+        <p:nvPicPr>
+          <p:cNvPr id="8" name="Picture 7"/>
+          <p:cNvPicPr>
+            <a:picLocks noChangeAspect="1"/>
+          </p:cNvPicPr>
+          <p:nvPr/>
+        </p:nvPicPr>
+        <p:blipFill>
+          <a:blip r:embed="rId3">
+            <a:extLst>
+              <a:ext uri="{28A0092B-C50C-407E-A947-70E740481C1C}">
+                <a14:useLocalDpi xmlns:a14="http://schemas.microsoft.com/office/drawing/2010/main" val="0"/>
+              </a:ext>
+            </a:extLst>
+          </a:blip>
+          <a:stretch>
+            <a:fillRect/>
+          </a:stretch>
+        </p:blipFill>
+        <p:spPr>
+          <a:xfrm>
+            <a:off x="3500436" y="2357437"/>
+            <a:ext cx="2143125" cy="2143125"/>
+          </a:xfrm>
+          <a:prstGeom prst="rect">
+            <a:avLst/>
+          </a:prstGeom>
+        </p:spPr>
+      </p:pic>
+      <p:pic>
+        <p:nvPicPr>
+          <p:cNvPr id="9" name="Picture 8"/>
+          <p:cNvPicPr>
+            <a:picLocks noChangeAspect="1"/>
+          </p:cNvPicPr>
+          <p:nvPr/>
+        </p:nvPicPr>
+        <p:blipFill>
+          <a:blip r:embed="rId4">
+            <a:extLst>
+              <a:ext uri="{28A0092B-C50C-407E-A947-70E740481C1C}">
+                <a14:useLocalDpi xmlns:a14="http://schemas.microsoft.com/office/drawing/2010/main" val="0"/>
+              </a:ext>
+            </a:extLst>
+          </a:blip>
+          <a:stretch>
+            <a:fillRect/>
+          </a:stretch>
+        </p:blipFill>
+        <p:spPr>
+          <a:xfrm>
+            <a:off x="6156176" y="2708920"/>
+            <a:ext cx="2857500" cy="1600200"/>
+          </a:xfrm>
+          <a:prstGeom prst="rect">
+            <a:avLst/>
+          </a:prstGeom>
+        </p:spPr>
+      </p:pic>
+      <p:sp>
+        <p:nvSpPr>
+          <p:cNvPr id="10" name="TextBox 9"/>
+          <p:cNvSpPr txBox="1"/>
+          <p:nvPr/>
+        </p:nvSpPr>
+        <p:spPr>
+          <a:xfrm>
+            <a:off x="683568" y="4653136"/>
+            <a:ext cx="2016224" cy="553998"/>
+          </a:xfrm>
+          <a:prstGeom prst="rect">
+            <a:avLst/>
+          </a:prstGeom>
+          <a:noFill/>
+        </p:spPr>
+        <p:txBody>
+          <a:bodyPr wrap="square" rtlCol="0">
+            <a:spAutoFit/>
+          </a:bodyPr>
+          <a:lstStyle/>
+          <a:p>
+            <a:r>
+              <a:rPr lang="en-US" sz="1000" dirty="0" err="1" smtClean="0"/>
+              <a:t>Github</a:t>
+            </a:r>
+            <a:r>
+              <a:rPr lang="en-US" sz="1000" dirty="0" smtClean="0"/>
+              <a:t>-sharing files, so everyone can work on the them</a:t>
+            </a:r>
+            <a:endParaRPr lang="bg-BG" sz="1000" dirty="0"/>
+          </a:p>
+        </p:txBody>
+      </p:sp>
+      <p:sp>
+        <p:nvSpPr>
+          <p:cNvPr id="13" name="TextBox 12"/>
+          <p:cNvSpPr txBox="1"/>
+          <p:nvPr/>
+        </p:nvSpPr>
+        <p:spPr>
+          <a:xfrm>
+            <a:off x="3419872" y="4653136"/>
+            <a:ext cx="2016224" cy="400110"/>
+          </a:xfrm>
+          <a:prstGeom prst="rect">
+            <a:avLst/>
+          </a:prstGeom>
+          <a:noFill/>
+        </p:spPr>
+        <p:txBody>
+          <a:bodyPr wrap="square" rtlCol="0">
+            <a:spAutoFit/>
+          </a:bodyPr>
+          <a:lstStyle/>
+          <a:p>
+            <a:r>
+              <a:rPr lang="en-US" sz="1000" dirty="0" smtClean="0"/>
+              <a:t>Visual studio-making the program</a:t>
+            </a:r>
+            <a:endParaRPr lang="bg-BG" sz="1000" dirty="0"/>
+          </a:p>
+        </p:txBody>
+      </p:sp>
+      <p:sp>
+        <p:nvSpPr>
+          <p:cNvPr id="14" name="TextBox 13"/>
+          <p:cNvSpPr txBox="1"/>
+          <p:nvPr/>
+        </p:nvSpPr>
+        <p:spPr>
+          <a:xfrm>
+            <a:off x="6425007" y="4653136"/>
+            <a:ext cx="2232248" cy="400110"/>
+          </a:xfrm>
+          <a:prstGeom prst="rect">
+            <a:avLst/>
+          </a:prstGeom>
+          <a:noFill/>
+        </p:spPr>
+        <p:txBody>
+          <a:bodyPr wrap="square" rtlCol="0">
+            <a:spAutoFit/>
+          </a:bodyPr>
+          <a:lstStyle/>
+          <a:p>
+            <a:r>
+              <a:rPr lang="en-US" sz="1000" dirty="0" smtClean="0"/>
+              <a:t>The programing language we used for our program</a:t>
+            </a:r>
+            <a:endParaRPr lang="bg-BG" sz="1000" dirty="0"/>
+          </a:p>
+        </p:txBody>
+      </p:sp>
+    </p:spTree>
+    <p:extLst>
+      <p:ext uri="{BB962C8B-B14F-4D97-AF65-F5344CB8AC3E}">
+        <p14:creationId xmlns:p14="http://schemas.microsoft.com/office/powerpoint/2010/main" val="2248536016"/>
+      </p:ext>
+    </p:extLst>
+  </p:cSld>
+  <p:clrMapOvr>
+    <a:masterClrMapping/>
+  </p:clrMapOvr>
+</p:sld>
+</file>
+
+<file path=ppt/slides/slide7.xml><?xml version="1.0" encoding="utf-8"?>
+<p:sld xmlns:a="http://schemas.openxmlformats.org/drawingml/2006/main" xmlns:r="http://schemas.openxmlformats.org/officeDocument/2006/relationships" xmlns:p="http://schemas.openxmlformats.org/presentationml/2006/main">
+  <p:cSld>
+    <p:spTree>
+      <p:nvGrpSpPr>
+        <p:cNvPr id="1" name=""/>
+        <p:cNvGrpSpPr/>
+        <p:nvPr/>
+      </p:nvGrpSpPr>
+      <p:grpSpPr>
+        <a:xfrm>
+          <a:off x="0" y="0"/>
+          <a:ext cx="0" cy="0"/>
+          <a:chOff x="0" y="0"/>
+          <a:chExt cx="0" cy="0"/>
+        </a:xfrm>
+      </p:grpSpPr>
+      <p:sp>
+        <p:nvSpPr>
+          <p:cNvPr id="2" name="Content Placeholder 1"/>
+          <p:cNvSpPr>
+            <a:spLocks noGrp="1"/>
+          </p:cNvSpPr>
+          <p:nvPr>
+            <p:ph idx="1"/>
+          </p:nvPr>
+        </p:nvSpPr>
+        <p:spPr/>
+        <p:txBody>
+          <a:bodyPr/>
+          <a:lstStyle/>
+          <a:p>
             <a:endParaRPr lang="bg-BG"/>
           </a:p>
         </p:txBody>

--- a/Car Rent Incorporation.pptx
+++ b/Car Rent Incorporation.pptx
@@ -5303,12 +5303,12 @@
                         </a:spcAft>
                       </a:pPr>
                       <a:r>
-                        <a:rPr lang="en-US" sz="1000">
+                        <a:rPr lang="en-US" sz="1000" dirty="0">
                           <a:effectLst/>
                         </a:rPr>
                         <a:t>There are four different update functions available, each designed to change a particular field in the structure</a:t>
                       </a:r>
-                      <a:endParaRPr lang="bg-BG" sz="900">
+                      <a:endParaRPr lang="bg-BG" sz="900" dirty="0">
                         <a:effectLst/>
                         <a:latin typeface="Calibri"/>
                         <a:ea typeface="Calibri"/>
@@ -6233,7 +6233,11 @@
             </a:r>
             <a:r>
               <a:rPr lang="en-US" sz="1000" dirty="0" smtClean="0"/>
-              <a:t>-sharing files, so everyone can work on the them</a:t>
+              <a:t> - sharing </a:t>
+            </a:r>
+            <a:r>
+              <a:rPr lang="en-US" sz="1000" dirty="0" smtClean="0"/>
+              <a:t>files, so everyone can work on the them</a:t>
             </a:r>
             <a:endParaRPr lang="bg-BG" sz="1000" dirty="0"/>
           </a:p>
@@ -6263,7 +6267,15 @@
           <a:p>
             <a:r>
               <a:rPr lang="en-US" sz="1000" dirty="0" smtClean="0"/>
-              <a:t>Visual studio-making the program</a:t>
+              <a:t>Visual </a:t>
+            </a:r>
+            <a:r>
+              <a:rPr lang="en-US" sz="1000" dirty="0" smtClean="0"/>
+              <a:t>studio - making </a:t>
+            </a:r>
+            <a:r>
+              <a:rPr lang="en-US" sz="1000" dirty="0" smtClean="0"/>
+              <a:t>the program</a:t>
             </a:r>
             <a:endParaRPr lang="bg-BG" sz="1000" dirty="0"/>
           </a:p>
@@ -6293,7 +6305,11 @@
           <a:p>
             <a:r>
               <a:rPr lang="en-US" sz="1000" dirty="0" smtClean="0"/>
-              <a:t>The programing language we used for our program</a:t>
+              <a:t>C++ - The </a:t>
+            </a:r>
+            <a:r>
+              <a:rPr lang="en-US" sz="1000" dirty="0" smtClean="0"/>
+              <a:t>programing language we used for our program</a:t>
             </a:r>
             <a:endParaRPr lang="bg-BG" sz="1000" dirty="0"/>
           </a:p>
@@ -6309,6 +6325,25 @@
   <p:clrMapOvr>
     <a:masterClrMapping/>
   </p:clrMapOvr>
+  <mc:AlternateContent xmlns:mc="http://schemas.openxmlformats.org/markup-compatibility/2006">
+    <mc:Choice xmlns:p14="http://schemas.microsoft.com/office/powerpoint/2010/main" Requires="p14">
+      <p:transition spd="slow" p14:dur="800">
+        <p:circle/>
+      </p:transition>
+    </mc:Choice>
+    <mc:Fallback>
+      <p:transition spd="slow">
+        <p:circle/>
+      </p:transition>
+    </mc:Fallback>
+  </mc:AlternateContent>
+  <p:timing>
+    <p:tnLst>
+      <p:par>
+        <p:cTn id="1" dur="indefinite" restart="never" nodeType="tmRoot"/>
+      </p:par>
+    </p:tnLst>
+  </p:timing>
 </p:sld>
 </file>
 

--- a/Car Rent Incorporation.pptx
+++ b/Car Rent Incorporation.pptx
@@ -5795,7 +5795,43 @@
                 </a:solidFill>
                 <a:effectLst/>
               </a:rPr>
-              <a:t>Table of any function in the program </a:t>
+              <a:t>Table </a:t>
+            </a:r>
+            <a:r>
+              <a:rPr lang="en-US" smtClean="0">
+                <a:solidFill>
+                  <a:srgbClr val="00B0F0"/>
+                </a:solidFill>
+                <a:effectLst/>
+              </a:rPr>
+              <a:t>of </a:t>
+            </a:r>
+            <a:r>
+              <a:rPr lang="en-US" smtClean="0">
+                <a:solidFill>
+                  <a:srgbClr val="00B0F0"/>
+                </a:solidFill>
+                <a:effectLst/>
+              </a:rPr>
+              <a:t>data</a:t>
+            </a:r>
+            <a:r>
+              <a:rPr lang="en-US" smtClean="0">
+                <a:solidFill>
+                  <a:srgbClr val="00B0F0"/>
+                </a:solidFill>
+                <a:effectLst/>
+              </a:rPr>
+              <a:t> functions </a:t>
+            </a:r>
+            <a:r>
+              <a:rPr lang="en-US" dirty="0" smtClean="0">
+                <a:solidFill>
+                  <a:srgbClr val="00B0F0"/>
+                </a:solidFill>
+                <a:effectLst/>
+              </a:rPr>
+              <a:t>in the program </a:t>
             </a:r>
             <a:endParaRPr lang="bg-BG" dirty="0">
               <a:solidFill>

--- a/Car Rent Incorporation.pptx
+++ b/Car Rent Incorporation.pptx
@@ -4,6 +4,9 @@
   <p:sldMasterIdLst>
     <p:sldMasterId id="2147483720" r:id="rId1"/>
   </p:sldMasterIdLst>
+  <p:notesMasterIdLst>
+    <p:notesMasterId r:id="rId10"/>
+  </p:notesMasterIdLst>
   <p:sldIdLst>
     <p:sldId id="256" r:id="rId2"/>
     <p:sldId id="257" r:id="rId3"/>
@@ -12,6 +15,7 @@
     <p:sldId id="260" r:id="rId6"/>
     <p:sldId id="262" r:id="rId7"/>
     <p:sldId id="261" r:id="rId8"/>
+    <p:sldId id="263" r:id="rId9"/>
   </p:sldIdLst>
   <p:sldSz cx="9144000" cy="6858000" type="screen4x3"/>
   <p:notesSz cx="6858000" cy="9144000"/>
@@ -111,6 +115,440 @@
     </a:lvl9pPr>
   </p:defaultTextStyle>
 </p:presentation>
+</file>
+
+<file path=ppt/notesMasters/notesMaster1.xml><?xml version="1.0" encoding="utf-8"?>
+<p:notesMaster xmlns:a="http://schemas.openxmlformats.org/drawingml/2006/main" xmlns:r="http://schemas.openxmlformats.org/officeDocument/2006/relationships" xmlns:p="http://schemas.openxmlformats.org/presentationml/2006/main">
+  <p:cSld>
+    <p:bg>
+      <p:bgRef idx="1001">
+        <a:schemeClr val="bg1"/>
+      </p:bgRef>
+    </p:bg>
+    <p:spTree>
+      <p:nvGrpSpPr>
+        <p:cNvPr id="1" name=""/>
+        <p:cNvGrpSpPr/>
+        <p:nvPr/>
+      </p:nvGrpSpPr>
+      <p:grpSpPr>
+        <a:xfrm>
+          <a:off x="0" y="0"/>
+          <a:ext cx="0" cy="0"/>
+          <a:chOff x="0" y="0"/>
+          <a:chExt cx="0" cy="0"/>
+        </a:xfrm>
+      </p:grpSpPr>
+      <p:sp>
+        <p:nvSpPr>
+          <p:cNvPr id="2" name="Header Placeholder 1"/>
+          <p:cNvSpPr>
+            <a:spLocks noGrp="1"/>
+          </p:cNvSpPr>
+          <p:nvPr>
+            <p:ph type="hdr" sz="quarter"/>
+          </p:nvPr>
+        </p:nvSpPr>
+        <p:spPr>
+          <a:xfrm>
+            <a:off x="0" y="0"/>
+            <a:ext cx="2971800" cy="457200"/>
+          </a:xfrm>
+          <a:prstGeom prst="rect">
+            <a:avLst/>
+          </a:prstGeom>
+        </p:spPr>
+        <p:txBody>
+          <a:bodyPr vert="horz" lIns="91440" tIns="45720" rIns="91440" bIns="45720" rtlCol="0"/>
+          <a:lstStyle>
+            <a:lvl1pPr algn="l">
+              <a:defRPr sz="1200"/>
+            </a:lvl1pPr>
+          </a:lstStyle>
+          <a:p>
+            <a:endParaRPr lang="bg-BG"/>
+          </a:p>
+        </p:txBody>
+      </p:sp>
+      <p:sp>
+        <p:nvSpPr>
+          <p:cNvPr id="3" name="Date Placeholder 2"/>
+          <p:cNvSpPr>
+            <a:spLocks noGrp="1"/>
+          </p:cNvSpPr>
+          <p:nvPr>
+            <p:ph type="dt" idx="1"/>
+          </p:nvPr>
+        </p:nvSpPr>
+        <p:spPr>
+          <a:xfrm>
+            <a:off x="3884613" y="0"/>
+            <a:ext cx="2971800" cy="457200"/>
+          </a:xfrm>
+          <a:prstGeom prst="rect">
+            <a:avLst/>
+          </a:prstGeom>
+        </p:spPr>
+        <p:txBody>
+          <a:bodyPr vert="horz" lIns="91440" tIns="45720" rIns="91440" bIns="45720" rtlCol="0"/>
+          <a:lstStyle>
+            <a:lvl1pPr algn="r">
+              <a:defRPr sz="1200"/>
+            </a:lvl1pPr>
+          </a:lstStyle>
+          <a:p>
+            <a:fld id="{096C236C-B852-45AF-AF63-E7DD55DA502B}" type="datetimeFigureOut">
+              <a:rPr lang="bg-BG" smtClean="0"/>
+              <a:t>1.5.2020 г.</a:t>
+            </a:fld>
+            <a:endParaRPr lang="bg-BG"/>
+          </a:p>
+        </p:txBody>
+      </p:sp>
+      <p:sp>
+        <p:nvSpPr>
+          <p:cNvPr id="4" name="Slide Image Placeholder 3"/>
+          <p:cNvSpPr>
+            <a:spLocks noGrp="1" noRot="1" noChangeAspect="1"/>
+          </p:cNvSpPr>
+          <p:nvPr>
+            <p:ph type="sldImg" idx="2"/>
+          </p:nvPr>
+        </p:nvSpPr>
+        <p:spPr>
+          <a:xfrm>
+            <a:off x="1143000" y="685800"/>
+            <a:ext cx="4572000" cy="3429000"/>
+          </a:xfrm>
+          <a:prstGeom prst="rect">
+            <a:avLst/>
+          </a:prstGeom>
+          <a:noFill/>
+          <a:ln w="12700">
+            <a:solidFill>
+              <a:prstClr val="black"/>
+            </a:solidFill>
+          </a:ln>
+        </p:spPr>
+        <p:txBody>
+          <a:bodyPr vert="horz" lIns="91440" tIns="45720" rIns="91440" bIns="45720" rtlCol="0" anchor="ctr"/>
+          <a:lstStyle/>
+          <a:p>
+            <a:endParaRPr lang="bg-BG"/>
+          </a:p>
+        </p:txBody>
+      </p:sp>
+      <p:sp>
+        <p:nvSpPr>
+          <p:cNvPr id="5" name="Notes Placeholder 4"/>
+          <p:cNvSpPr>
+            <a:spLocks noGrp="1"/>
+          </p:cNvSpPr>
+          <p:nvPr>
+            <p:ph type="body" sz="quarter" idx="3"/>
+          </p:nvPr>
+        </p:nvSpPr>
+        <p:spPr>
+          <a:xfrm>
+            <a:off x="685800" y="4343400"/>
+            <a:ext cx="5486400" cy="4114800"/>
+          </a:xfrm>
+          <a:prstGeom prst="rect">
+            <a:avLst/>
+          </a:prstGeom>
+        </p:spPr>
+        <p:txBody>
+          <a:bodyPr vert="horz" lIns="91440" tIns="45720" rIns="91440" bIns="45720" rtlCol="0"/>
+          <a:lstStyle/>
+          <a:p>
+            <a:pPr lvl="0"/>
+            <a:r>
+              <a:rPr lang="en-US" smtClean="0"/>
+              <a:t>Click to edit Master text styles</a:t>
+            </a:r>
+          </a:p>
+          <a:p>
+            <a:pPr lvl="1"/>
+            <a:r>
+              <a:rPr lang="en-US" smtClean="0"/>
+              <a:t>Second level</a:t>
+            </a:r>
+          </a:p>
+          <a:p>
+            <a:pPr lvl="2"/>
+            <a:r>
+              <a:rPr lang="en-US" smtClean="0"/>
+              <a:t>Third level</a:t>
+            </a:r>
+          </a:p>
+          <a:p>
+            <a:pPr lvl="3"/>
+            <a:r>
+              <a:rPr lang="en-US" smtClean="0"/>
+              <a:t>Fourth level</a:t>
+            </a:r>
+          </a:p>
+          <a:p>
+            <a:pPr lvl="4"/>
+            <a:r>
+              <a:rPr lang="en-US" smtClean="0"/>
+              <a:t>Fifth level</a:t>
+            </a:r>
+            <a:endParaRPr lang="bg-BG"/>
+          </a:p>
+        </p:txBody>
+      </p:sp>
+      <p:sp>
+        <p:nvSpPr>
+          <p:cNvPr id="6" name="Footer Placeholder 5"/>
+          <p:cNvSpPr>
+            <a:spLocks noGrp="1"/>
+          </p:cNvSpPr>
+          <p:nvPr>
+            <p:ph type="ftr" sz="quarter" idx="4"/>
+          </p:nvPr>
+        </p:nvSpPr>
+        <p:spPr>
+          <a:xfrm>
+            <a:off x="0" y="8685213"/>
+            <a:ext cx="2971800" cy="457200"/>
+          </a:xfrm>
+          <a:prstGeom prst="rect">
+            <a:avLst/>
+          </a:prstGeom>
+        </p:spPr>
+        <p:txBody>
+          <a:bodyPr vert="horz" lIns="91440" tIns="45720" rIns="91440" bIns="45720" rtlCol="0" anchor="b"/>
+          <a:lstStyle>
+            <a:lvl1pPr algn="l">
+              <a:defRPr sz="1200"/>
+            </a:lvl1pPr>
+          </a:lstStyle>
+          <a:p>
+            <a:endParaRPr lang="bg-BG"/>
+          </a:p>
+        </p:txBody>
+      </p:sp>
+      <p:sp>
+        <p:nvSpPr>
+          <p:cNvPr id="7" name="Slide Number Placeholder 6"/>
+          <p:cNvSpPr>
+            <a:spLocks noGrp="1"/>
+          </p:cNvSpPr>
+          <p:nvPr>
+            <p:ph type="sldNum" sz="quarter" idx="5"/>
+          </p:nvPr>
+        </p:nvSpPr>
+        <p:spPr>
+          <a:xfrm>
+            <a:off x="3884613" y="8685213"/>
+            <a:ext cx="2971800" cy="457200"/>
+          </a:xfrm>
+          <a:prstGeom prst="rect">
+            <a:avLst/>
+          </a:prstGeom>
+        </p:spPr>
+        <p:txBody>
+          <a:bodyPr vert="horz" lIns="91440" tIns="45720" rIns="91440" bIns="45720" rtlCol="0" anchor="b"/>
+          <a:lstStyle>
+            <a:lvl1pPr algn="r">
+              <a:defRPr sz="1200"/>
+            </a:lvl1pPr>
+          </a:lstStyle>
+          <a:p>
+            <a:fld id="{85FEB84C-2614-490F-A61F-C2AA550385BA}" type="slidenum">
+              <a:rPr lang="bg-BG" smtClean="0"/>
+              <a:t>‹#›</a:t>
+            </a:fld>
+            <a:endParaRPr lang="bg-BG"/>
+          </a:p>
+        </p:txBody>
+      </p:sp>
+    </p:spTree>
+    <p:extLst>
+      <p:ext uri="{BB962C8B-B14F-4D97-AF65-F5344CB8AC3E}">
+        <p14:creationId xmlns:p14="http://schemas.microsoft.com/office/powerpoint/2010/main" val="2527129426"/>
+      </p:ext>
+    </p:extLst>
+  </p:cSld>
+  <p:clrMap bg1="lt1" tx1="dk1" bg2="lt2" tx2="dk2" accent1="accent1" accent2="accent2" accent3="accent3" accent4="accent4" accent5="accent5" accent6="accent6" hlink="hlink" folHlink="folHlink"/>
+  <p:notesStyle>
+    <a:lvl1pPr marL="0" algn="l" defTabSz="914400" rtl="0" eaLnBrk="1" latinLnBrk="0" hangingPunct="1">
+      <a:defRPr sz="1200" kern="1200">
+        <a:solidFill>
+          <a:schemeClr val="tx1"/>
+        </a:solidFill>
+        <a:latin typeface="+mn-lt"/>
+        <a:ea typeface="+mn-ea"/>
+        <a:cs typeface="+mn-cs"/>
+      </a:defRPr>
+    </a:lvl1pPr>
+    <a:lvl2pPr marL="457200" algn="l" defTabSz="914400" rtl="0" eaLnBrk="1" latinLnBrk="0" hangingPunct="1">
+      <a:defRPr sz="1200" kern="1200">
+        <a:solidFill>
+          <a:schemeClr val="tx1"/>
+        </a:solidFill>
+        <a:latin typeface="+mn-lt"/>
+        <a:ea typeface="+mn-ea"/>
+        <a:cs typeface="+mn-cs"/>
+      </a:defRPr>
+    </a:lvl2pPr>
+    <a:lvl3pPr marL="914400" algn="l" defTabSz="914400" rtl="0" eaLnBrk="1" latinLnBrk="0" hangingPunct="1">
+      <a:defRPr sz="1200" kern="1200">
+        <a:solidFill>
+          <a:schemeClr val="tx1"/>
+        </a:solidFill>
+        <a:latin typeface="+mn-lt"/>
+        <a:ea typeface="+mn-ea"/>
+        <a:cs typeface="+mn-cs"/>
+      </a:defRPr>
+    </a:lvl3pPr>
+    <a:lvl4pPr marL="1371600" algn="l" defTabSz="914400" rtl="0" eaLnBrk="1" latinLnBrk="0" hangingPunct="1">
+      <a:defRPr sz="1200" kern="1200">
+        <a:solidFill>
+          <a:schemeClr val="tx1"/>
+        </a:solidFill>
+        <a:latin typeface="+mn-lt"/>
+        <a:ea typeface="+mn-ea"/>
+        <a:cs typeface="+mn-cs"/>
+      </a:defRPr>
+    </a:lvl4pPr>
+    <a:lvl5pPr marL="1828800" algn="l" defTabSz="914400" rtl="0" eaLnBrk="1" latinLnBrk="0" hangingPunct="1">
+      <a:defRPr sz="1200" kern="1200">
+        <a:solidFill>
+          <a:schemeClr val="tx1"/>
+        </a:solidFill>
+        <a:latin typeface="+mn-lt"/>
+        <a:ea typeface="+mn-ea"/>
+        <a:cs typeface="+mn-cs"/>
+      </a:defRPr>
+    </a:lvl5pPr>
+    <a:lvl6pPr marL="2286000" algn="l" defTabSz="914400" rtl="0" eaLnBrk="1" latinLnBrk="0" hangingPunct="1">
+      <a:defRPr sz="1200" kern="1200">
+        <a:solidFill>
+          <a:schemeClr val="tx1"/>
+        </a:solidFill>
+        <a:latin typeface="+mn-lt"/>
+        <a:ea typeface="+mn-ea"/>
+        <a:cs typeface="+mn-cs"/>
+      </a:defRPr>
+    </a:lvl6pPr>
+    <a:lvl7pPr marL="2743200" algn="l" defTabSz="914400" rtl="0" eaLnBrk="1" latinLnBrk="0" hangingPunct="1">
+      <a:defRPr sz="1200" kern="1200">
+        <a:solidFill>
+          <a:schemeClr val="tx1"/>
+        </a:solidFill>
+        <a:latin typeface="+mn-lt"/>
+        <a:ea typeface="+mn-ea"/>
+        <a:cs typeface="+mn-cs"/>
+      </a:defRPr>
+    </a:lvl7pPr>
+    <a:lvl8pPr marL="3200400" algn="l" defTabSz="914400" rtl="0" eaLnBrk="1" latinLnBrk="0" hangingPunct="1">
+      <a:defRPr sz="1200" kern="1200">
+        <a:solidFill>
+          <a:schemeClr val="tx1"/>
+        </a:solidFill>
+        <a:latin typeface="+mn-lt"/>
+        <a:ea typeface="+mn-ea"/>
+        <a:cs typeface="+mn-cs"/>
+      </a:defRPr>
+    </a:lvl8pPr>
+    <a:lvl9pPr marL="3657600" algn="l" defTabSz="914400" rtl="0" eaLnBrk="1" latinLnBrk="0" hangingPunct="1">
+      <a:defRPr sz="1200" kern="1200">
+        <a:solidFill>
+          <a:schemeClr val="tx1"/>
+        </a:solidFill>
+        <a:latin typeface="+mn-lt"/>
+        <a:ea typeface="+mn-ea"/>
+        <a:cs typeface="+mn-cs"/>
+      </a:defRPr>
+    </a:lvl9pPr>
+  </p:notesStyle>
+</p:notesMaster>
+</file>
+
+<file path=ppt/notesSlides/notesSlide1.xml><?xml version="1.0" encoding="utf-8"?>
+<p:notes xmlns:a="http://schemas.openxmlformats.org/drawingml/2006/main" xmlns:r="http://schemas.openxmlformats.org/officeDocument/2006/relationships" xmlns:p="http://schemas.openxmlformats.org/presentationml/2006/main">
+  <p:cSld>
+    <p:spTree>
+      <p:nvGrpSpPr>
+        <p:cNvPr id="1" name=""/>
+        <p:cNvGrpSpPr/>
+        <p:nvPr/>
+      </p:nvGrpSpPr>
+      <p:grpSpPr>
+        <a:xfrm>
+          <a:off x="0" y="0"/>
+          <a:ext cx="0" cy="0"/>
+          <a:chOff x="0" y="0"/>
+          <a:chExt cx="0" cy="0"/>
+        </a:xfrm>
+      </p:grpSpPr>
+      <p:sp>
+        <p:nvSpPr>
+          <p:cNvPr id="2" name="Slide Image Placeholder 1"/>
+          <p:cNvSpPr>
+            <a:spLocks noGrp="1" noRot="1" noChangeAspect="1"/>
+          </p:cNvSpPr>
+          <p:nvPr>
+            <p:ph type="sldImg"/>
+          </p:nvPr>
+        </p:nvSpPr>
+        <p:spPr/>
+      </p:sp>
+      <p:sp>
+        <p:nvSpPr>
+          <p:cNvPr id="3" name="Notes Placeholder 2"/>
+          <p:cNvSpPr>
+            <a:spLocks noGrp="1"/>
+          </p:cNvSpPr>
+          <p:nvPr>
+            <p:ph type="body" idx="1"/>
+          </p:nvPr>
+        </p:nvSpPr>
+        <p:spPr/>
+        <p:txBody>
+          <a:bodyPr/>
+          <a:lstStyle/>
+          <a:p>
+            <a:endParaRPr lang="bg-BG" dirty="0"/>
+          </a:p>
+        </p:txBody>
+      </p:sp>
+      <p:sp>
+        <p:nvSpPr>
+          <p:cNvPr id="4" name="Slide Number Placeholder 3"/>
+          <p:cNvSpPr>
+            <a:spLocks noGrp="1"/>
+          </p:cNvSpPr>
+          <p:nvPr>
+            <p:ph type="sldNum" sz="quarter" idx="10"/>
+          </p:nvPr>
+        </p:nvSpPr>
+        <p:spPr/>
+        <p:txBody>
+          <a:bodyPr/>
+          <a:lstStyle/>
+          <a:p>
+            <a:fld id="{85FEB84C-2614-490F-A61F-C2AA550385BA}" type="slidenum">
+              <a:rPr lang="bg-BG" smtClean="0"/>
+              <a:t>7</a:t>
+            </a:fld>
+            <a:endParaRPr lang="bg-BG"/>
+          </a:p>
+        </p:txBody>
+      </p:sp>
+    </p:spTree>
+    <p:extLst>
+      <p:ext uri="{BB962C8B-B14F-4D97-AF65-F5344CB8AC3E}">
+        <p14:creationId xmlns:p14="http://schemas.microsoft.com/office/powerpoint/2010/main" val="4186924700"/>
+      </p:ext>
+    </p:extLst>
+  </p:cSld>
+  <p:clrMapOvr>
+    <a:masterClrMapping/>
+  </p:clrMapOvr>
+</p:notes>
 </file>
 
 <file path=ppt/slideLayouts/slideLayout1.xml><?xml version="1.0" encoding="utf-8"?>
@@ -5804,25 +6242,7 @@
                 </a:solidFill>
                 <a:effectLst/>
               </a:rPr>
-              <a:t>of </a:t>
-            </a:r>
-            <a:r>
-              <a:rPr lang="en-US" smtClean="0">
-                <a:solidFill>
-                  <a:srgbClr val="00B0F0"/>
-                </a:solidFill>
-                <a:effectLst/>
-              </a:rPr>
-              <a:t>data</a:t>
-            </a:r>
-            <a:r>
-              <a:rPr lang="en-US" smtClean="0">
-                <a:solidFill>
-                  <a:srgbClr val="00B0F0"/>
-                </a:solidFill>
-                <a:effectLst/>
-              </a:rPr>
-              <a:t> functions </a:t>
+              <a:t>of data functions </a:t>
             </a:r>
             <a:r>
               <a:rPr lang="en-US" dirty="0" smtClean="0">
@@ -5983,7 +6403,7 @@
               <a:t>, 9”g”           </a:t>
             </a:r>
             <a:r>
-              <a:rPr lang="en-US" smtClean="0"/>
+              <a:rPr lang="en-US" dirty="0" err="1" smtClean="0"/>
               <a:t>Kaloyan</a:t>
             </a:r>
             <a:r>
@@ -6183,7 +6603,7 @@
       </p:pic>
       <p:pic>
         <p:nvPicPr>
-          <p:cNvPr id="8" name="Picture 7"/>
+          <p:cNvPr id="9" name="Picture 8"/>
           <p:cNvPicPr>
             <a:picLocks noChangeAspect="1"/>
           </p:cNvPicPr>
@@ -6191,36 +6611,6 @@
         </p:nvPicPr>
         <p:blipFill>
           <a:blip r:embed="rId3">
-            <a:extLst>
-              <a:ext uri="{28A0092B-C50C-407E-A947-70E740481C1C}">
-                <a14:useLocalDpi xmlns:a14="http://schemas.microsoft.com/office/drawing/2010/main" val="0"/>
-              </a:ext>
-            </a:extLst>
-          </a:blip>
-          <a:stretch>
-            <a:fillRect/>
-          </a:stretch>
-        </p:blipFill>
-        <p:spPr>
-          <a:xfrm>
-            <a:off x="3500436" y="2357437"/>
-            <a:ext cx="2143125" cy="2143125"/>
-          </a:xfrm>
-          <a:prstGeom prst="rect">
-            <a:avLst/>
-          </a:prstGeom>
-        </p:spPr>
-      </p:pic>
-      <p:pic>
-        <p:nvPicPr>
-          <p:cNvPr id="9" name="Picture 8"/>
-          <p:cNvPicPr>
-            <a:picLocks noChangeAspect="1"/>
-          </p:cNvPicPr>
-          <p:nvPr/>
-        </p:nvPicPr>
-        <p:blipFill>
-          <a:blip r:embed="rId4">
             <a:extLst>
               <a:ext uri="{28A0092B-C50C-407E-A947-70E740481C1C}">
                 <a14:useLocalDpi xmlns:a14="http://schemas.microsoft.com/office/drawing/2010/main" val="0"/>
@@ -6250,7 +6640,7 @@
         <p:spPr>
           <a:xfrm>
             <a:off x="683568" y="4653136"/>
-            <a:ext cx="2016224" cy="553998"/>
+            <a:ext cx="2016224" cy="400110"/>
           </a:xfrm>
           <a:prstGeom prst="rect">
             <a:avLst/>
@@ -6265,15 +6655,11 @@
           <a:p>
             <a:r>
               <a:rPr lang="en-US" sz="1000" dirty="0" err="1" smtClean="0"/>
-              <a:t>Github</a:t>
+              <a:t>GitHub</a:t>
             </a:r>
             <a:r>
               <a:rPr lang="en-US" sz="1000" dirty="0" smtClean="0"/>
-              <a:t> - sharing </a:t>
-            </a:r>
-            <a:r>
-              <a:rPr lang="en-US" sz="1000" dirty="0" smtClean="0"/>
-              <a:t>files, so everyone can work on the them</a:t>
+              <a:t> – The version control system which we used </a:t>
             </a:r>
             <a:endParaRPr lang="bg-BG" sz="1000" dirty="0"/>
           </a:p>
@@ -6303,15 +6689,7 @@
           <a:p>
             <a:r>
               <a:rPr lang="en-US" sz="1000" dirty="0" smtClean="0"/>
-              <a:t>Visual </a:t>
-            </a:r>
-            <a:r>
-              <a:rPr lang="en-US" sz="1000" dirty="0" smtClean="0"/>
-              <a:t>studio - making </a:t>
-            </a:r>
-            <a:r>
-              <a:rPr lang="en-US" sz="1000" dirty="0" smtClean="0"/>
-              <a:t>the program</a:t>
+              <a:t>Repl.it- Our programing environment</a:t>
             </a:r>
             <a:endParaRPr lang="bg-BG" sz="1000" dirty="0"/>
           </a:p>
@@ -6341,16 +6719,42 @@
           <a:p>
             <a:r>
               <a:rPr lang="en-US" sz="1000" dirty="0" smtClean="0"/>
-              <a:t>C++ - The </a:t>
-            </a:r>
-            <a:r>
-              <a:rPr lang="en-US" sz="1000" dirty="0" smtClean="0"/>
-              <a:t>programing language we used for our program</a:t>
+              <a:t>C++ - The programing language we used for our program</a:t>
             </a:r>
             <a:endParaRPr lang="bg-BG" sz="1000" dirty="0"/>
           </a:p>
         </p:txBody>
       </p:sp>
+      <p:pic>
+        <p:nvPicPr>
+          <p:cNvPr id="4" name="Picture 3"/>
+          <p:cNvPicPr>
+            <a:picLocks noChangeAspect="1"/>
+          </p:cNvPicPr>
+          <p:nvPr/>
+        </p:nvPicPr>
+        <p:blipFill>
+          <a:blip r:embed="rId4">
+            <a:extLst>
+              <a:ext uri="{28A0092B-C50C-407E-A947-70E740481C1C}">
+                <a14:useLocalDpi xmlns:a14="http://schemas.microsoft.com/office/drawing/2010/main" val="0"/>
+              </a:ext>
+            </a:extLst>
+          </a:blip>
+          <a:stretch>
+            <a:fillRect/>
+          </a:stretch>
+        </p:blipFill>
+        <p:spPr>
+          <a:xfrm>
+            <a:off x="2843808" y="2865512"/>
+            <a:ext cx="3168352" cy="1285875"/>
+          </a:xfrm>
+          <a:prstGeom prst="rect">
+            <a:avLst/>
+          </a:prstGeom>
+        </p:spPr>
+      </p:pic>
     </p:spTree>
     <p:extLst>
       <p:ext uri="{BB962C8B-B14F-4D97-AF65-F5344CB8AC3E}">
@@ -6361,13 +6765,13 @@
   <p:clrMapOvr>
     <a:masterClrMapping/>
   </p:clrMapOvr>
-  <mc:AlternateContent xmlns:mc="http://schemas.openxmlformats.org/markup-compatibility/2006">
-    <mc:Choice xmlns:p14="http://schemas.microsoft.com/office/powerpoint/2010/main" Requires="p14">
+  <mc:AlternateContent xmlns:mc="http://schemas.openxmlformats.org/markup-compatibility/2006" xmlns:p14="http://schemas.microsoft.com/office/powerpoint/2010/main">
+    <mc:Choice Requires="p14">
       <p:transition spd="slow" p14:dur="800">
         <p:circle/>
       </p:transition>
     </mc:Choice>
-    <mc:Fallback>
+    <mc:Fallback xmlns="">
       <p:transition spd="slow">
         <p:circle/>
       </p:transition>
@@ -6478,6 +6882,125 @@
     </mc:Choice>
     <mc:Fallback xmlns="">
       <p:transition spd="slow">
+        <p:fade/>
+      </p:transition>
+    </mc:Fallback>
+  </mc:AlternateContent>
+  <p:timing>
+    <p:tnLst>
+      <p:par>
+        <p:cTn id="1" dur="indefinite" restart="never" nodeType="tmRoot"/>
+      </p:par>
+    </p:tnLst>
+  </p:timing>
+</p:sld>
+</file>
+
+<file path=ppt/slides/slide8.xml><?xml version="1.0" encoding="utf-8"?>
+<p:sld xmlns:a="http://schemas.openxmlformats.org/drawingml/2006/main" xmlns:r="http://schemas.openxmlformats.org/officeDocument/2006/relationships" xmlns:p="http://schemas.openxmlformats.org/presentationml/2006/main">
+  <p:cSld>
+    <p:spTree>
+      <p:nvGrpSpPr>
+        <p:cNvPr id="1" name=""/>
+        <p:cNvGrpSpPr/>
+        <p:nvPr/>
+      </p:nvGrpSpPr>
+      <p:grpSpPr>
+        <a:xfrm>
+          <a:off x="0" y="0"/>
+          <a:ext cx="0" cy="0"/>
+          <a:chOff x="0" y="0"/>
+          <a:chExt cx="0" cy="0"/>
+        </a:xfrm>
+      </p:grpSpPr>
+      <p:pic>
+        <p:nvPicPr>
+          <p:cNvPr id="4" name="Content Placeholder 3"/>
+          <p:cNvPicPr>
+            <a:picLocks noGrp="1" noChangeAspect="1"/>
+          </p:cNvPicPr>
+          <p:nvPr>
+            <p:ph idx="1"/>
+          </p:nvPr>
+        </p:nvPicPr>
+        <p:blipFill>
+          <a:blip r:embed="rId2">
+            <a:extLst>
+              <a:ext uri="{28A0092B-C50C-407E-A947-70E740481C1C}">
+                <a14:useLocalDpi xmlns:a14="http://schemas.microsoft.com/office/drawing/2010/main" val="0"/>
+              </a:ext>
+            </a:extLst>
+          </a:blip>
+          <a:stretch>
+            <a:fillRect/>
+          </a:stretch>
+        </p:blipFill>
+        <p:spPr>
+          <a:xfrm>
+            <a:off x="2771800" y="4077072"/>
+            <a:ext cx="3226645" cy="1696591"/>
+          </a:xfrm>
+        </p:spPr>
+      </p:pic>
+      <p:sp>
+        <p:nvSpPr>
+          <p:cNvPr id="3" name="Title 2"/>
+          <p:cNvSpPr>
+            <a:spLocks noGrp="1"/>
+          </p:cNvSpPr>
+          <p:nvPr>
+            <p:ph type="title"/>
+          </p:nvPr>
+        </p:nvSpPr>
+        <p:spPr>
+          <a:xfrm>
+            <a:off x="467544" y="2636912"/>
+            <a:ext cx="8229600" cy="1143000"/>
+          </a:xfrm>
+        </p:spPr>
+        <p:txBody>
+          <a:bodyPr>
+            <a:noAutofit/>
+          </a:bodyPr>
+          <a:lstStyle/>
+          <a:p>
+            <a:pPr algn="ctr"/>
+            <a:r>
+              <a:rPr lang="en-US" sz="7200" dirty="0" smtClean="0">
+                <a:solidFill>
+                  <a:srgbClr val="00B0F0"/>
+                </a:solidFill>
+                <a:effectLst/>
+              </a:rPr>
+              <a:t>Questions Time!</a:t>
+            </a:r>
+            <a:endParaRPr lang="bg-BG" sz="7200" dirty="0">
+              <a:solidFill>
+                <a:srgbClr val="00B0F0"/>
+              </a:solidFill>
+              <a:effectLst/>
+            </a:endParaRPr>
+          </a:p>
+        </p:txBody>
+      </p:sp>
+    </p:spTree>
+    <p:extLst>
+      <p:ext uri="{BB962C8B-B14F-4D97-AF65-F5344CB8AC3E}">
+        <p14:creationId xmlns:p14="http://schemas.microsoft.com/office/powerpoint/2010/main" val="3344507403"/>
+      </p:ext>
+    </p:extLst>
+  </p:cSld>
+  <p:clrMapOvr>
+    <a:masterClrMapping/>
+  </p:clrMapOvr>
+  <mc:AlternateContent xmlns:mc="http://schemas.openxmlformats.org/markup-compatibility/2006">
+    <mc:Choice xmlns:p14="http://schemas.microsoft.com/office/powerpoint/2010/main" Requires="p14">
+      <p:transition spd="med" p14:dur="700">
+        <p:fade/>
+      </p:transition>
+    </mc:Choice>
+    <mc:Fallback>
+      <p:transition spd="med">
         <p:fade/>
       </p:transition>
     </mc:Fallback>
@@ -6777,4 +7300,289 @@
   <a:objectDefaults/>
   <a:extraClrSchemeLst/>
 </a:theme>
+</file>
+
+<file path=ppt/theme/theme2.xml><?xml version="1.0" encoding="utf-8"?>
+<a:theme xmlns:a="http://schemas.openxmlformats.org/drawingml/2006/main" name="Office Theme">
+  <a:themeElements>
+    <a:clrScheme name="Office">
+      <a:dk1>
+        <a:sysClr val="windowText" lastClr="000000"/>
+      </a:dk1>
+      <a:lt1>
+        <a:sysClr val="window" lastClr="FFFFFF"/>
+      </a:lt1>
+      <a:dk2>
+        <a:srgbClr val="1F497D"/>
+      </a:dk2>
+      <a:lt2>
+        <a:srgbClr val="EEECE1"/>
+      </a:lt2>
+      <a:accent1>
+        <a:srgbClr val="4F81BD"/>
+      </a:accent1>
+      <a:accent2>
+        <a:srgbClr val="C0504D"/>
+      </a:accent2>
+      <a:accent3>
+        <a:srgbClr val="9BBB59"/>
+      </a:accent3>
+      <a:accent4>
+        <a:srgbClr val="8064A2"/>
+      </a:accent4>
+      <a:accent5>
+        <a:srgbClr val="4BACC6"/>
+      </a:accent5>
+      <a:accent6>
+        <a:srgbClr val="F79646"/>
+      </a:accent6>
+      <a:hlink>
+        <a:srgbClr val="0000FF"/>
+      </a:hlink>
+      <a:folHlink>
+        <a:srgbClr val="800080"/>
+      </a:folHlink>
+    </a:clrScheme>
+    <a:fontScheme name="Office">
+      <a:majorFont>
+        <a:latin typeface="Calibri"/>
+        <a:ea typeface=""/>
+        <a:cs typeface=""/>
+        <a:font script="Jpan" typeface="ＭＳ Ｐゴシック"/>
+        <a:font script="Hang" typeface="맑은 고딕"/>
+        <a:font script="Hans" typeface="宋体"/>
+        <a:font script="Hant" typeface="新細明體"/>
+        <a:font script="Arab" typeface="Times New Roman"/>
+        <a:font script="Hebr" typeface="Times New Roman"/>
+        <a:font script="Thai" typeface="Angsana New"/>
+        <a:font script="Ethi" typeface="Nyala"/>
+        <a:font script="Beng" typeface="Vrinda"/>
+        <a:font script="Gujr" typeface="Shruti"/>
+        <a:font script="Khmr" typeface="MoolBoran"/>
+        <a:font script="Knda" typeface="Tunga"/>
+        <a:font script="Guru" typeface="Raavi"/>
+        <a:font script="Cans" typeface="Euphemia"/>
+        <a:font script="Cher" typeface="Plantagenet Cherokee"/>
+        <a:font script="Yiii" typeface="Microsoft Yi Baiti"/>
+        <a:font script="Tibt" typeface="Microsoft Himalaya"/>
+        <a:font script="Thaa" typeface="MV Boli"/>
+        <a:font script="Deva" typeface="Mangal"/>
+        <a:font script="Telu" typeface="Gautami"/>
+        <a:font script="Taml" typeface="Latha"/>
+        <a:font script="Syrc" typeface="Estrangelo Edessa"/>
+        <a:font script="Orya" typeface="Kalinga"/>
+        <a:font script="Mlym" typeface="Kartika"/>
+        <a:font script="Laoo" typeface="DokChampa"/>
+        <a:font script="Sinh" typeface="Iskoola Pota"/>
+        <a:font script="Mong" typeface="Mongolian Baiti"/>
+        <a:font script="Viet" typeface="Times New Roman"/>
+        <a:font script="Uigh" typeface="Microsoft Uighur"/>
+        <a:font script="Geor" typeface="Sylfaen"/>
+      </a:majorFont>
+      <a:minorFont>
+        <a:latin typeface="Calibri"/>
+        <a:ea typeface=""/>
+        <a:cs typeface=""/>
+        <a:font script="Jpan" typeface="ＭＳ Ｐゴシック"/>
+        <a:font script="Hang" typeface="맑은 고딕"/>
+        <a:font script="Hans" typeface="宋体"/>
+        <a:font script="Hant" typeface="新細明體"/>
+        <a:font script="Arab" typeface="Arial"/>
+        <a:font script="Hebr" typeface="Arial"/>
+        <a:font script="Thai" typeface="Cordia New"/>
+        <a:font script="Ethi" typeface="Nyala"/>
+        <a:font script="Beng" typeface="Vrinda"/>
+        <a:font script="Gujr" typeface="Shruti"/>
+        <a:font script="Khmr" typeface="DaunPenh"/>
+        <a:font script="Knda" typeface="Tunga"/>
+        <a:font script="Guru" typeface="Raavi"/>
+        <a:font script="Cans" typeface="Euphemia"/>
+        <a:font script="Cher" typeface="Plantagenet Cherokee"/>
+        <a:font script="Yiii" typeface="Microsoft Yi Baiti"/>
+        <a:font script="Tibt" typeface="Microsoft Himalaya"/>
+        <a:font script="Thaa" typeface="MV Boli"/>
+        <a:font script="Deva" typeface="Mangal"/>
+        <a:font script="Telu" typeface="Gautami"/>
+        <a:font script="Taml" typeface="Latha"/>
+        <a:font script="Syrc" typeface="Estrangelo Edessa"/>
+        <a:font script="Orya" typeface="Kalinga"/>
+        <a:font script="Mlym" typeface="Kartika"/>
+        <a:font script="Laoo" typeface="DokChampa"/>
+        <a:font script="Sinh" typeface="Iskoola Pota"/>
+        <a:font script="Mong" typeface="Mongolian Baiti"/>
+        <a:font script="Viet" typeface="Arial"/>
+        <a:font script="Uigh" typeface="Microsoft Uighur"/>
+        <a:font script="Geor" typeface="Sylfaen"/>
+      </a:minorFont>
+    </a:fontScheme>
+    <a:fmtScheme name="Office">
+      <a:fillStyleLst>
+        <a:solidFill>
+          <a:schemeClr val="phClr"/>
+        </a:solidFill>
+        <a:gradFill rotWithShape="1">
+          <a:gsLst>
+            <a:gs pos="0">
+              <a:schemeClr val="phClr">
+                <a:tint val="50000"/>
+                <a:satMod val="300000"/>
+              </a:schemeClr>
+            </a:gs>
+            <a:gs pos="35000">
+              <a:schemeClr val="phClr">
+                <a:tint val="37000"/>
+                <a:satMod val="300000"/>
+              </a:schemeClr>
+            </a:gs>
+            <a:gs pos="100000">
+              <a:schemeClr val="phClr">
+                <a:tint val="15000"/>
+                <a:satMod val="350000"/>
+              </a:schemeClr>
+            </a:gs>
+          </a:gsLst>
+          <a:lin ang="16200000" scaled="1"/>
+        </a:gradFill>
+        <a:gradFill rotWithShape="1">
+          <a:gsLst>
+            <a:gs pos="0">
+              <a:schemeClr val="phClr">
+                <a:shade val="51000"/>
+                <a:satMod val="130000"/>
+              </a:schemeClr>
+            </a:gs>
+            <a:gs pos="80000">
+              <a:schemeClr val="phClr">
+                <a:shade val="93000"/>
+                <a:satMod val="130000"/>
+              </a:schemeClr>
+            </a:gs>
+            <a:gs pos="100000">
+              <a:schemeClr val="phClr">
+                <a:shade val="94000"/>
+                <a:satMod val="135000"/>
+              </a:schemeClr>
+            </a:gs>
+          </a:gsLst>
+          <a:lin ang="16200000" scaled="0"/>
+        </a:gradFill>
+      </a:fillStyleLst>
+      <a:lnStyleLst>
+        <a:ln w="9525" cap="flat" cmpd="sng" algn="ctr">
+          <a:solidFill>
+            <a:schemeClr val="phClr">
+              <a:shade val="95000"/>
+              <a:satMod val="105000"/>
+            </a:schemeClr>
+          </a:solidFill>
+          <a:prstDash val="solid"/>
+        </a:ln>
+        <a:ln w="25400" cap="flat" cmpd="sng" algn="ctr">
+          <a:solidFill>
+            <a:schemeClr val="phClr"/>
+          </a:solidFill>
+          <a:prstDash val="solid"/>
+        </a:ln>
+        <a:ln w="38100" cap="flat" cmpd="sng" algn="ctr">
+          <a:solidFill>
+            <a:schemeClr val="phClr"/>
+          </a:solidFill>
+          <a:prstDash val="solid"/>
+        </a:ln>
+      </a:lnStyleLst>
+      <a:effectStyleLst>
+        <a:effectStyle>
+          <a:effectLst>
+            <a:outerShdw blurRad="40000" dist="20000" dir="5400000" rotWithShape="0">
+              <a:srgbClr val="000000">
+                <a:alpha val="38000"/>
+              </a:srgbClr>
+            </a:outerShdw>
+          </a:effectLst>
+        </a:effectStyle>
+        <a:effectStyle>
+          <a:effectLst>
+            <a:outerShdw blurRad="40000" dist="23000" dir="5400000" rotWithShape="0">
+              <a:srgbClr val="000000">
+                <a:alpha val="35000"/>
+              </a:srgbClr>
+            </a:outerShdw>
+          </a:effectLst>
+        </a:effectStyle>
+        <a:effectStyle>
+          <a:effectLst>
+            <a:outerShdw blurRad="40000" dist="23000" dir="5400000" rotWithShape="0">
+              <a:srgbClr val="000000">
+                <a:alpha val="35000"/>
+              </a:srgbClr>
+            </a:outerShdw>
+          </a:effectLst>
+          <a:scene3d>
+            <a:camera prst="orthographicFront">
+              <a:rot lat="0" lon="0" rev="0"/>
+            </a:camera>
+            <a:lightRig rig="threePt" dir="t">
+              <a:rot lat="0" lon="0" rev="1200000"/>
+            </a:lightRig>
+          </a:scene3d>
+          <a:sp3d>
+            <a:bevelT w="63500" h="25400"/>
+          </a:sp3d>
+        </a:effectStyle>
+      </a:effectStyleLst>
+      <a:bgFillStyleLst>
+        <a:solidFill>
+          <a:schemeClr val="phClr"/>
+        </a:solidFill>
+        <a:gradFill rotWithShape="1">
+          <a:gsLst>
+            <a:gs pos="0">
+              <a:schemeClr val="phClr">
+                <a:tint val="40000"/>
+                <a:satMod val="350000"/>
+              </a:schemeClr>
+            </a:gs>
+            <a:gs pos="40000">
+              <a:schemeClr val="phClr">
+                <a:tint val="45000"/>
+                <a:shade val="99000"/>
+                <a:satMod val="350000"/>
+              </a:schemeClr>
+            </a:gs>
+            <a:gs pos="100000">
+              <a:schemeClr val="phClr">
+                <a:shade val="20000"/>
+                <a:satMod val="255000"/>
+              </a:schemeClr>
+            </a:gs>
+          </a:gsLst>
+          <a:path path="circle">
+            <a:fillToRect l="50000" t="-80000" r="50000" b="180000"/>
+          </a:path>
+        </a:gradFill>
+        <a:gradFill rotWithShape="1">
+          <a:gsLst>
+            <a:gs pos="0">
+              <a:schemeClr val="phClr">
+                <a:tint val="80000"/>
+                <a:satMod val="300000"/>
+              </a:schemeClr>
+            </a:gs>
+            <a:gs pos="100000">
+              <a:schemeClr val="phClr">
+                <a:shade val="30000"/>
+                <a:satMod val="200000"/>
+              </a:schemeClr>
+            </a:gs>
+          </a:gsLst>
+          <a:path path="circle">
+            <a:fillToRect l="50000" t="50000" r="50000" b="50000"/>
+          </a:path>
+        </a:gradFill>
+      </a:bgFillStyleLst>
+    </a:fmtScheme>
+  </a:themeElements>
+  <a:objectDefaults/>
+  <a:extraClrSchemeLst/>
+</a:theme>
 </file>
--- a/Car Rent Incorporation.pptx
+++ b/Car Rent Incorporation.pptx
@@ -5,7 +5,7 @@
     <p:sldMasterId id="2147483720" r:id="rId1"/>
   </p:sldMasterIdLst>
   <p:notesMasterIdLst>
-    <p:notesMasterId r:id="rId10"/>
+    <p:notesMasterId r:id="rId9"/>
   </p:notesMasterIdLst>
   <p:sldIdLst>
     <p:sldId id="256" r:id="rId2"/>
@@ -15,7 +15,6 @@
     <p:sldId id="260" r:id="rId6"/>
     <p:sldId id="262" r:id="rId7"/>
     <p:sldId id="261" r:id="rId8"/>
-    <p:sldId id="263" r:id="rId9"/>
   </p:sldIdLst>
   <p:sldSz cx="9144000" cy="6858000" type="screen4x3"/>
   <p:notesSz cx="6858000" cy="9144000"/>
@@ -6896,125 +6895,6 @@
 </p:sld>
 </file>
 
-<file path=ppt/slides/slide8.xml><?xml version="1.0" encoding="utf-8"?>
-<p:sld xmlns:a="http://schemas.openxmlformats.org/drawingml/2006/main" xmlns:r="http://schemas.openxmlformats.org/officeDocument/2006/relationships" xmlns:p="http://schemas.openxmlformats.org/presentationml/2006/main">
-  <p:cSld>
-    <p:spTree>
-      <p:nvGrpSpPr>
-        <p:cNvPr id="1" name=""/>
-        <p:cNvGrpSpPr/>
-        <p:nvPr/>
-      </p:nvGrpSpPr>
-      <p:grpSpPr>
-        <a:xfrm>
-          <a:off x="0" y="0"/>
-          <a:ext cx="0" cy="0"/>
-          <a:chOff x="0" y="0"/>
-          <a:chExt cx="0" cy="0"/>
-        </a:xfrm>
-      </p:grpSpPr>
-      <p:pic>
-        <p:nvPicPr>
-          <p:cNvPr id="4" name="Content Placeholder 3"/>
-          <p:cNvPicPr>
-            <a:picLocks noGrp="1" noChangeAspect="1"/>
-          </p:cNvPicPr>
-          <p:nvPr>
-            <p:ph idx="1"/>
-          </p:nvPr>
-        </p:nvPicPr>
-        <p:blipFill>
-          <a:blip r:embed="rId2">
-            <a:extLst>
-              <a:ext uri="{28A0092B-C50C-407E-A947-70E740481C1C}">
-                <a14:useLocalDpi xmlns:a14="http://schemas.microsoft.com/office/drawing/2010/main" val="0"/>
-              </a:ext>
-            </a:extLst>
-          </a:blip>
-          <a:stretch>
-            <a:fillRect/>
-          </a:stretch>
-        </p:blipFill>
-        <p:spPr>
-          <a:xfrm>
-            <a:off x="2771800" y="4077072"/>
-            <a:ext cx="3226645" cy="1696591"/>
-          </a:xfrm>
-        </p:spPr>
-      </p:pic>
-      <p:sp>
-        <p:nvSpPr>
-          <p:cNvPr id="3" name="Title 2"/>
-          <p:cNvSpPr>
-            <a:spLocks noGrp="1"/>
-          </p:cNvSpPr>
-          <p:nvPr>
-            <p:ph type="title"/>
-          </p:nvPr>
-        </p:nvSpPr>
-        <p:spPr>
-          <a:xfrm>
-            <a:off x="467544" y="2636912"/>
-            <a:ext cx="8229600" cy="1143000"/>
-          </a:xfrm>
-        </p:spPr>
-        <p:txBody>
-          <a:bodyPr>
-            <a:noAutofit/>
-          </a:bodyPr>
-          <a:lstStyle/>
-          <a:p>
-            <a:pPr algn="ctr"/>
-            <a:r>
-              <a:rPr lang="en-US" sz="7200" dirty="0" smtClean="0">
-                <a:solidFill>
-                  <a:srgbClr val="00B0F0"/>
-                </a:solidFill>
-                <a:effectLst/>
-              </a:rPr>
-              <a:t>Questions Time!</a:t>
-            </a:r>
-            <a:endParaRPr lang="bg-BG" sz="7200" dirty="0">
-              <a:solidFill>
-                <a:srgbClr val="00B0F0"/>
-              </a:solidFill>
-              <a:effectLst/>
-            </a:endParaRPr>
-          </a:p>
-        </p:txBody>
-      </p:sp>
-    </p:spTree>
-    <p:extLst>
-      <p:ext uri="{BB962C8B-B14F-4D97-AF65-F5344CB8AC3E}">
-        <p14:creationId xmlns:p14="http://schemas.microsoft.com/office/powerpoint/2010/main" val="3344507403"/>
-      </p:ext>
-    </p:extLst>
-  </p:cSld>
-  <p:clrMapOvr>
-    <a:masterClrMapping/>
-  </p:clrMapOvr>
-  <mc:AlternateContent xmlns:mc="http://schemas.openxmlformats.org/markup-compatibility/2006">
-    <mc:Choice xmlns:p14="http://schemas.microsoft.com/office/powerpoint/2010/main" Requires="p14">
-      <p:transition spd="med" p14:dur="700">
-        <p:fade/>
-      </p:transition>
-    </mc:Choice>
-    <mc:Fallback>
-      <p:transition spd="med">
-        <p:fade/>
-      </p:transition>
-    </mc:Fallback>
-  </mc:AlternateContent>
-  <p:timing>
-    <p:tnLst>
-      <p:par>
-        <p:cTn id="1" dur="indefinite" restart="never" nodeType="tmRoot"/>
-      </p:par>
-    </p:tnLst>
-  </p:timing>
-</p:sld>
-</file>
-
 <file path=ppt/theme/theme1.xml><?xml version="1.0" encoding="utf-8"?>
 <a:theme xmlns:a="http://schemas.openxmlformats.org/drawingml/2006/main" name="Concourse">
   <a:themeElements>
